--- a/CTF/sunrinHD2018/SUNRINT_HACKING_PRESENTATION.pptx
+++ b/CTF/sunrinHD2018/SUNRINT_HACKING_PRESENTATION.pptx
@@ -7783,10 +7783,10 @@
               <a:buNone/>
             </a:pPr>
             <a:r>
-              <a:rPr lang="ko"/>
+              <a:rPr lang="ko" dirty="0"/>
               <a:t>안뜨길래  false sql injection을 이용해 보았다.</a:t>
             </a:r>
-            <a:endParaRPr/>
+            <a:endParaRPr dirty="0"/>
           </a:p>
           <a:p>
             <a:pPr marL="0" lvl="0" indent="0">
@@ -7799,10 +7799,10 @@
               <a:buNone/>
             </a:pPr>
             <a:r>
-              <a:rPr lang="ko"/>
+              <a:rPr lang="ko" dirty="0"/>
               <a:t>or username=0 limit 0,1;#</a:t>
             </a:r>
-            <a:endParaRPr/>
+            <a:endParaRPr dirty="0"/>
           </a:p>
           <a:p>
             <a:pPr marL="0" lvl="0" indent="0">
@@ -7815,10 +7815,10 @@
               <a:buNone/>
             </a:pPr>
             <a:r>
-              <a:rPr lang="ko"/>
+              <a:rPr lang="ko" dirty="0"/>
               <a:t>실행했더니 guest로 로그인이 된다.</a:t>
             </a:r>
-            <a:endParaRPr/>
+            <a:endParaRPr dirty="0"/>
           </a:p>
           <a:p>
             <a:pPr marL="0" lvl="0" indent="0">
@@ -7831,10 +7831,10 @@
               <a:buNone/>
             </a:pPr>
             <a:r>
-              <a:rPr lang="ko"/>
+              <a:rPr lang="ko" dirty="0"/>
               <a:t> or username=0 limit 1,1;#</a:t>
             </a:r>
-            <a:endParaRPr/>
+            <a:endParaRPr dirty="0"/>
           </a:p>
           <a:p>
             <a:pPr marL="0" lvl="0" indent="0">
@@ -7847,10 +7847,10 @@
               <a:buNone/>
             </a:pPr>
             <a:r>
-              <a:rPr lang="ko"/>
+              <a:rPr lang="ko" dirty="0"/>
               <a:t>입력하면 js콘솔에 500에러를 띄워준다. 서버에서 결과가 없다는 것을 알았다.</a:t>
             </a:r>
-            <a:endParaRPr/>
+            <a:endParaRPr dirty="0"/>
           </a:p>
         </p:txBody>
       </p:sp>
@@ -7952,10 +7952,10 @@
               <a:buNone/>
             </a:pPr>
             <a:r>
-              <a:rPr lang="ko"/>
+              <a:rPr lang="ko" dirty="0"/>
               <a:t>테이블에 guest계정밖에 없길래 union sql injection이용해서 풀었다.</a:t>
             </a:r>
-            <a:endParaRPr/>
+            <a:endParaRPr dirty="0"/>
           </a:p>
           <a:p>
             <a:pPr marL="0" lvl="0" indent="0">
@@ -7968,10 +7968,10 @@
               <a:buNone/>
             </a:pPr>
             <a:r>
-              <a:rPr lang="ko"/>
+              <a:rPr lang="ko" dirty="0"/>
               <a:t>mysql에서는 select 1하면 결과로 1이 나오기 때문에 가능하다.</a:t>
             </a:r>
-            <a:endParaRPr/>
+            <a:endParaRPr dirty="0"/>
           </a:p>
           <a:p>
             <a:pPr marL="0" lvl="0" indent="0">
@@ -7983,7 +7983,7 @@
               </a:spcAft>
               <a:buNone/>
             </a:pPr>
-            <a:endParaRPr/>
+            <a:endParaRPr dirty="0"/>
           </a:p>
           <a:p>
             <a:pPr marL="0" lvl="0" indent="0">
@@ -7995,7 +7995,7 @@
               </a:spcAft>
               <a:buNone/>
             </a:pPr>
-            <a:endParaRPr/>
+            <a:endParaRPr dirty="0"/>
           </a:p>
           <a:p>
             <a:pPr marL="0" lvl="0" indent="0">
@@ -8007,7 +8007,7 @@
               </a:spcAft>
               <a:buNone/>
             </a:pPr>
-            <a:endParaRPr/>
+            <a:endParaRPr dirty="0"/>
           </a:p>
         </p:txBody>
       </p:sp>
@@ -8086,7 +8086,7 @@
         </p:nvSpPr>
         <p:spPr>
           <a:xfrm>
-            <a:off x="311700" y="1152475"/>
+            <a:off x="425114" y="1180829"/>
             <a:ext cx="8520600" cy="3416400"/>
           </a:xfrm>
           <a:prstGeom prst="rect">
@@ -8109,10 +8109,10 @@
               <a:buNone/>
             </a:pPr>
             <a:r>
-              <a:rPr lang="ko"/>
+              <a:rPr lang="ko" dirty="0"/>
               <a:t>최종 payload</a:t>
             </a:r>
-            <a:endParaRPr/>
+            <a:endParaRPr dirty="0"/>
           </a:p>
           <a:p>
             <a:pPr marL="0" lvl="0" indent="0">
@@ -8124,7 +8124,7 @@
               </a:spcAft>
               <a:buNone/>
             </a:pPr>
-            <a:endParaRPr/>
+            <a:endParaRPr dirty="0"/>
           </a:p>
           <a:p>
             <a:pPr marL="0" lvl="0" indent="0">
@@ -8137,10 +8137,10 @@
               <a:buNone/>
             </a:pPr>
             <a:r>
-              <a:rPr lang="ko"/>
+              <a:rPr lang="ko" dirty="0"/>
               <a:t>username=asdf\</a:t>
             </a:r>
-            <a:endParaRPr/>
+            <a:endParaRPr dirty="0"/>
           </a:p>
           <a:p>
             <a:pPr marL="0" lvl="0" indent="0">
@@ -8153,10 +8153,10 @@
               <a:buNone/>
             </a:pPr>
             <a:r>
-              <a:rPr lang="ko"/>
+              <a:rPr lang="ko" dirty="0"/>
               <a:t>password= union select "admin" from users;#</a:t>
             </a:r>
-            <a:endParaRPr/>
+            <a:endParaRPr dirty="0"/>
           </a:p>
           <a:p>
             <a:pPr marL="0" lvl="0" indent="0">
@@ -8168,7 +8168,7 @@
               </a:spcAft>
               <a:buNone/>
             </a:pPr>
-            <a:endParaRPr/>
+            <a:endParaRPr dirty="0"/>
           </a:p>
         </p:txBody>
       </p:sp>
@@ -9140,58 +9140,86 @@
               <a:buChar char="●"/>
             </a:pPr>
             <a:r>
-              <a:rPr lang="ko"/>
-              <a:t>Simple Login - 김한솔  클릭더버튼js</a:t>
+              <a:rPr lang="ko" dirty="0"/>
+              <a:t>Simple Login </a:t>
             </a:r>
-            <a:endParaRPr i="1">
+            <a:r>
+              <a:rPr lang="en-US" altLang="ko" dirty="0"/>
+              <a:t>–</a:t>
+            </a:r>
+            <a:r>
+              <a:rPr lang="ko" dirty="0"/>
+              <a:t> </a:t>
+            </a:r>
+            <a:r>
+              <a:rPr lang="en-US" altLang="ko" dirty="0"/>
+              <a:t>Circler</a:t>
+            </a:r>
+            <a:r>
+              <a:rPr lang="ko" dirty="0"/>
+              <a:t> </a:t>
+            </a:r>
+            <a:r>
+              <a:rPr lang="en-US" altLang="ko" dirty="0"/>
+              <a:t>&amp;</a:t>
+            </a:r>
+            <a:r>
+              <a:rPr lang="ko" dirty="0"/>
+              <a:t> 클릭더버튼js</a:t>
+            </a:r>
+            <a:endParaRPr i="1" dirty="0">
               <a:solidFill>
                 <a:srgbClr val="00FF00"/>
               </a:solidFill>
             </a:endParaRPr>
           </a:p>
           <a:p>
-            <a:pPr marL="457200" lvl="0" indent="-342900" rtl="0">
+            <a:pPr lvl="0">
               <a:lnSpc>
                 <a:spcPct val="200000"/>
               </a:lnSpc>
-              <a:spcBef>
-                <a:spcPts val="0"/>
-              </a:spcBef>
-              <a:spcAft>
-                <a:spcPts val="0"/>
-              </a:spcAft>
-              <a:buSzPts val="1800"/>
-              <a:buChar char="●"/>
             </a:pPr>
             <a:r>
-              <a:rPr lang="ko"/>
-              <a:t>Click the button! ( with selenium ) - 이효민 </a:t>
+              <a:rPr lang="ko" dirty="0"/>
+              <a:t>Click the button! ( with selenium ) </a:t>
             </a:r>
-            <a:endParaRPr i="1">
+            <a:r>
+              <a:rPr lang="en-US" altLang="ko" dirty="0"/>
+              <a:t>–</a:t>
+            </a:r>
+            <a:r>
+              <a:rPr lang="ko" dirty="0"/>
+              <a:t> </a:t>
+            </a:r>
+            <a:r>
+              <a:rPr lang="ko-KR" altLang="en-US" dirty="0"/>
+              <a:t>★ ★ ★</a:t>
+            </a:r>
+            <a:r>
+              <a:rPr lang="ko" dirty="0"/>
+              <a:t> </a:t>
+            </a:r>
+            <a:endParaRPr i="1" dirty="0">
               <a:solidFill>
                 <a:srgbClr val="00FF00"/>
               </a:solidFill>
             </a:endParaRPr>
           </a:p>
           <a:p>
-            <a:pPr marL="457200" lvl="0" indent="-342900">
+            <a:pPr lvl="0">
               <a:lnSpc>
                 <a:spcPct val="200000"/>
               </a:lnSpc>
-              <a:spcBef>
-                <a:spcPts val="0"/>
-              </a:spcBef>
-              <a:spcAft>
-                <a:spcPts val="0"/>
-              </a:spcAft>
-              <a:buSzPts val="1800"/>
-              <a:buChar char="●"/>
             </a:pPr>
             <a:r>
-              <a:rPr lang="ko"/>
-              <a:t>Shellcoding - 이진헌 </a:t>
+              <a:rPr lang="ko" dirty="0"/>
+              <a:t>Shellcoding -</a:t>
             </a:r>
-            <a:endParaRPr i="1">
+            <a:r>
+              <a:rPr lang="ko-KR" altLang="en-US" dirty="0"/>
+              <a:t> ○ ○ ○</a:t>
+            </a:r>
+            <a:endParaRPr i="1" dirty="0">
               <a:solidFill>
                 <a:srgbClr val="FF0000"/>
               </a:solidFill>
@@ -9422,10 +9450,10 @@
               <a:buNone/>
             </a:pPr>
             <a:r>
-              <a:rPr lang="ko"/>
+              <a:rPr lang="ko" dirty="0"/>
               <a:t>간단한 로그인 창이 있다.</a:t>
             </a:r>
-            <a:endParaRPr/>
+            <a:endParaRPr dirty="0"/>
           </a:p>
           <a:p>
             <a:pPr marL="0" lvl="0" indent="0">
@@ -9438,10 +9466,10 @@
               <a:buNone/>
             </a:pPr>
             <a:r>
-              <a:rPr lang="ko"/>
+              <a:rPr lang="ko" dirty="0"/>
               <a:t>로그인 버튼 옆에 source라고 떡하니 코드를 줄 것 같이 생긴 버튼 클릭</a:t>
             </a:r>
-            <a:endParaRPr/>
+            <a:endParaRPr dirty="0"/>
           </a:p>
           <a:p>
             <a:pPr marL="0" lvl="0" indent="0">
@@ -9453,7 +9481,7 @@
               </a:spcAft>
               <a:buNone/>
             </a:pPr>
-            <a:endParaRPr/>
+            <a:endParaRPr dirty="0"/>
           </a:p>
           <a:p>
             <a:pPr marL="0" lvl="0" indent="0">
@@ -9465,7 +9493,7 @@
               </a:spcAft>
               <a:buNone/>
             </a:pPr>
-            <a:endParaRPr/>
+            <a:endParaRPr dirty="0"/>
           </a:p>
         </p:txBody>
       </p:sp>
@@ -9732,14 +9760,14 @@
               <a:buNone/>
             </a:pPr>
             <a:r>
-              <a:rPr lang="ko" sz="1100">
+              <a:rPr lang="ko" sz="1100" dirty="0">
                 <a:solidFill>
                   <a:srgbClr val="FF8000"/>
                 </a:solidFill>
               </a:rPr>
               <a:t>/* anti sql injection */  </a:t>
             </a:r>
-            <a:endParaRPr sz="1100">
+            <a:endParaRPr sz="1100" dirty="0">
               <a:solidFill>
                 <a:srgbClr val="FF8000"/>
               </a:solidFill>
@@ -9764,7 +9792,7 @@
               <a:buNone/>
             </a:pPr>
             <a:r>
-              <a:rPr lang="ko" sz="1100">
+              <a:rPr lang="ko" sz="1100" dirty="0">
                 <a:solidFill>
                   <a:srgbClr val="0000BB"/>
                 </a:solidFill>
@@ -9772,7 +9800,7 @@
               <a:t>$username </a:t>
             </a:r>
             <a:r>
-              <a:rPr lang="ko" sz="1100">
+              <a:rPr lang="ko" sz="1100" dirty="0">
                 <a:solidFill>
                   <a:srgbClr val="007700"/>
                 </a:solidFill>
@@ -9780,7 +9808,7 @@
               <a:t>= </a:t>
             </a:r>
             <a:r>
-              <a:rPr lang="ko" sz="1100">
+              <a:rPr lang="ko" sz="1100" dirty="0">
                 <a:solidFill>
                   <a:srgbClr val="0000BB"/>
                 </a:solidFill>
@@ -9788,7 +9816,7 @@
               <a:t>str_replace</a:t>
             </a:r>
             <a:r>
-              <a:rPr lang="ko" sz="1100">
+              <a:rPr lang="ko" sz="1100" dirty="0">
                 <a:solidFill>
                   <a:srgbClr val="007700"/>
                 </a:solidFill>
@@ -9796,7 +9824,7 @@
               <a:t>(</a:t>
             </a:r>
             <a:r>
-              <a:rPr lang="ko" sz="1100">
+              <a:rPr lang="ko" sz="1100" dirty="0">
                 <a:solidFill>
                   <a:srgbClr val="DD0000"/>
                 </a:solidFill>
@@ -9804,7 +9832,7 @@
               <a:t>"'"</a:t>
             </a:r>
             <a:r>
-              <a:rPr lang="ko" sz="1100">
+              <a:rPr lang="ko" sz="1100" dirty="0">
                 <a:solidFill>
                   <a:srgbClr val="007700"/>
                 </a:solidFill>
@@ -9812,7 +9840,7 @@
               <a:t>, </a:t>
             </a:r>
             <a:r>
-              <a:rPr lang="ko" sz="1100">
+              <a:rPr lang="ko" sz="1100" dirty="0">
                 <a:solidFill>
                   <a:srgbClr val="DD0000"/>
                 </a:solidFill>
@@ -9820,7 +9848,7 @@
               <a:t>"\\'"</a:t>
             </a:r>
             <a:r>
-              <a:rPr lang="ko" sz="1100">
+              <a:rPr lang="ko" sz="1100" dirty="0">
                 <a:solidFill>
                   <a:srgbClr val="007700"/>
                 </a:solidFill>
@@ -9828,7 +9856,7 @@
               <a:t>, </a:t>
             </a:r>
             <a:r>
-              <a:rPr lang="ko" sz="1100">
+              <a:rPr lang="ko" sz="1100" dirty="0">
                 <a:solidFill>
                   <a:srgbClr val="0000BB"/>
                 </a:solidFill>
@@ -9836,7 +9864,7 @@
               <a:t>$_POST</a:t>
             </a:r>
             <a:r>
-              <a:rPr lang="ko" sz="1100">
+              <a:rPr lang="ko" sz="1100" dirty="0">
                 <a:solidFill>
                   <a:srgbClr val="007700"/>
                 </a:solidFill>
@@ -9844,7 +9872,7 @@
               <a:t>[</a:t>
             </a:r>
             <a:r>
-              <a:rPr lang="ko" sz="1100">
+              <a:rPr lang="ko" sz="1100" dirty="0">
                 <a:solidFill>
                   <a:srgbClr val="DD0000"/>
                 </a:solidFill>
@@ -9852,14 +9880,14 @@
               <a:t>'username'</a:t>
             </a:r>
             <a:r>
-              <a:rPr lang="ko" sz="1100">
+              <a:rPr lang="ko" sz="1100" dirty="0">
                 <a:solidFill>
                   <a:srgbClr val="007700"/>
                 </a:solidFill>
               </a:rPr>
               <a:t>]);  </a:t>
             </a:r>
-            <a:endParaRPr sz="1100">
+            <a:endParaRPr sz="1100" dirty="0">
               <a:solidFill>
                 <a:srgbClr val="007700"/>
               </a:solidFill>
@@ -9884,7 +9912,7 @@
               <a:buNone/>
             </a:pPr>
             <a:r>
-              <a:rPr lang="ko" sz="1100">
+              <a:rPr lang="ko" sz="1100" dirty="0">
                 <a:solidFill>
                   <a:srgbClr val="0000BB"/>
                 </a:solidFill>
@@ -9892,7 +9920,7 @@
               <a:t>$password </a:t>
             </a:r>
             <a:r>
-              <a:rPr lang="ko" sz="1100">
+              <a:rPr lang="ko" sz="1100" dirty="0">
                 <a:solidFill>
                   <a:srgbClr val="007700"/>
                 </a:solidFill>
@@ -9900,7 +9928,7 @@
               <a:t>= </a:t>
             </a:r>
             <a:r>
-              <a:rPr lang="ko" sz="1100">
+              <a:rPr lang="ko" sz="1100" dirty="0">
                 <a:solidFill>
                   <a:srgbClr val="0000BB"/>
                 </a:solidFill>
@@ -9908,7 +9936,7 @@
               <a:t>str_replace</a:t>
             </a:r>
             <a:r>
-              <a:rPr lang="ko" sz="1100">
+              <a:rPr lang="ko" sz="1100" dirty="0">
                 <a:solidFill>
                   <a:srgbClr val="007700"/>
                 </a:solidFill>
@@ -9916,7 +9944,7 @@
               <a:t>(</a:t>
             </a:r>
             <a:r>
-              <a:rPr lang="ko" sz="1100">
+              <a:rPr lang="ko" sz="1100" dirty="0">
                 <a:solidFill>
                   <a:srgbClr val="DD0000"/>
                 </a:solidFill>
@@ -9924,7 +9952,7 @@
               <a:t>"'"</a:t>
             </a:r>
             <a:r>
-              <a:rPr lang="ko" sz="1100">
+              <a:rPr lang="ko" sz="1100" dirty="0">
                 <a:solidFill>
                   <a:srgbClr val="007700"/>
                 </a:solidFill>
@@ -9932,7 +9960,7 @@
               <a:t>, </a:t>
             </a:r>
             <a:r>
-              <a:rPr lang="ko" sz="1100">
+              <a:rPr lang="ko" sz="1100" dirty="0">
                 <a:solidFill>
                   <a:srgbClr val="DD0000"/>
                 </a:solidFill>
@@ -9940,7 +9968,7 @@
               <a:t>"\\'"</a:t>
             </a:r>
             <a:r>
-              <a:rPr lang="ko" sz="1100">
+              <a:rPr lang="ko" sz="1100" dirty="0">
                 <a:solidFill>
                   <a:srgbClr val="007700"/>
                 </a:solidFill>
@@ -9948,7 +9976,7 @@
               <a:t>, </a:t>
             </a:r>
             <a:r>
-              <a:rPr lang="ko" sz="1100">
+              <a:rPr lang="ko" sz="1100" dirty="0">
                 <a:solidFill>
                   <a:srgbClr val="0000BB"/>
                 </a:solidFill>
@@ -9956,7 +9984,7 @@
               <a:t>$_POST</a:t>
             </a:r>
             <a:r>
-              <a:rPr lang="ko" sz="1100">
+              <a:rPr lang="ko" sz="1100" dirty="0">
                 <a:solidFill>
                   <a:srgbClr val="007700"/>
                 </a:solidFill>
@@ -9964,7 +9992,7 @@
               <a:t>[</a:t>
             </a:r>
             <a:r>
-              <a:rPr lang="ko" sz="1100">
+              <a:rPr lang="ko" sz="1100" dirty="0">
                 <a:solidFill>
                   <a:srgbClr val="DD0000"/>
                 </a:solidFill>
@@ -9972,14 +10000,14 @@
               <a:t>'password'</a:t>
             </a:r>
             <a:r>
-              <a:rPr lang="ko" sz="1100">
+              <a:rPr lang="ko" sz="1100" dirty="0">
                 <a:solidFill>
                   <a:srgbClr val="007700"/>
                 </a:solidFill>
               </a:rPr>
               <a:t>]);  </a:t>
             </a:r>
-            <a:endParaRPr sz="1100">
+            <a:endParaRPr sz="1100" dirty="0">
               <a:solidFill>
                 <a:srgbClr val="007700"/>
               </a:solidFill>
@@ -9999,14 +10027,14 @@
               <a:buNone/>
             </a:pPr>
             <a:r>
-              <a:rPr lang="ko" sz="1100">
+              <a:rPr lang="ko" sz="1100" dirty="0">
                 <a:solidFill>
                   <a:srgbClr val="FF8000"/>
                 </a:solidFill>
               </a:rPr>
               <a:t>/* anti sql injection */  </a:t>
             </a:r>
-            <a:endParaRPr sz="1100">
+            <a:endParaRPr sz="1100" dirty="0">
               <a:solidFill>
                 <a:srgbClr val="FF8000"/>
               </a:solidFill>
@@ -10025,7 +10053,7 @@
               </a:spcAft>
               <a:buNone/>
             </a:pPr>
-            <a:endParaRPr sz="1100">
+            <a:endParaRPr sz="1100" dirty="0">
               <a:solidFill>
                 <a:srgbClr val="FF8000"/>
               </a:solidFill>
@@ -10042,10 +10070,10 @@
               <a:buNone/>
             </a:pPr>
             <a:r>
-              <a:rPr lang="ko"/>
+              <a:rPr lang="ko" dirty="0"/>
               <a:t>싱글쿼터를 \\’ 로 바꿔준다.</a:t>
             </a:r>
-            <a:endParaRPr/>
+            <a:endParaRPr dirty="0"/>
           </a:p>
           <a:p>
             <a:pPr marL="0" lvl="0" indent="0">
@@ -10058,10 +10086,10 @@
               <a:buNone/>
             </a:pPr>
             <a:r>
-              <a:rPr lang="ko"/>
+              <a:rPr lang="ko" dirty="0"/>
               <a:t>역슬래시는 바로 뒤에있는 문자 하나를 텍스트로 인식시킨다.</a:t>
             </a:r>
-            <a:endParaRPr/>
+            <a:endParaRPr dirty="0"/>
           </a:p>
           <a:p>
             <a:pPr marL="0" lvl="0" indent="0">
@@ -10074,10 +10102,10 @@
               <a:buNone/>
             </a:pPr>
             <a:r>
-              <a:rPr lang="ko"/>
+              <a:rPr lang="ko" dirty="0"/>
               <a:t>그러면 실제도 코드상에서 동작할때는 \’로 동작하기 때문에 내가 입력한 싱글쿼터가 백슬래시의 특성으로 인해 텍스트로 인식해 작동하지 않게 된다.</a:t>
             </a:r>
-            <a:endParaRPr/>
+            <a:endParaRPr dirty="0"/>
           </a:p>
           <a:p>
             <a:pPr marL="0" lvl="0" indent="0">
@@ -10090,10 +10118,10 @@
               <a:buNone/>
             </a:pPr>
             <a:r>
-              <a:rPr lang="ko"/>
+              <a:rPr lang="ko" dirty="0"/>
               <a:t>그러나 싱글쿼터는 필요없다.   </a:t>
             </a:r>
-            <a:endParaRPr/>
+            <a:endParaRPr dirty="0"/>
           </a:p>
           <a:p>
             <a:pPr marL="0" lvl="0" indent="0">
@@ -10106,10 +10134,10 @@
               <a:buNone/>
             </a:pPr>
             <a:r>
-              <a:rPr lang="ko"/>
+              <a:rPr lang="ko" dirty="0"/>
               <a:t>will use 더블쿼터 백슬래시</a:t>
             </a:r>
-            <a:endParaRPr/>
+            <a:endParaRPr dirty="0"/>
           </a:p>
           <a:p>
             <a:pPr marL="0" lvl="0" indent="0">
@@ -10121,7 +10149,7 @@
               </a:spcAft>
               <a:buNone/>
             </a:pPr>
-            <a:endParaRPr/>
+            <a:endParaRPr dirty="0"/>
           </a:p>
         </p:txBody>
       </p:sp>
@@ -10223,10 +10251,10 @@
               <a:buNone/>
             </a:pPr>
             <a:r>
-              <a:rPr lang="ko"/>
+              <a:rPr lang="ko" dirty="0"/>
               <a:t>PHP 5.2.12 -&gt; 5.3버전에서 기본 옵션인 magic_qoute_gpc가 사라지게 되었다.</a:t>
             </a:r>
-            <a:endParaRPr/>
+            <a:endParaRPr dirty="0"/>
           </a:p>
           <a:p>
             <a:pPr marL="0" lvl="0" indent="0">
@@ -10239,10 +10267,10 @@
               <a:buNone/>
             </a:pPr>
             <a:r>
-              <a:rPr lang="ko"/>
+              <a:rPr lang="ko" dirty="0"/>
               <a:t>즉, PHP가 기본적으로 쿠기, REQUEST로 받아오는 값들에 대해 싱글,더블쿼더 + 백슬래시 필터링을 하지 않는다.</a:t>
             </a:r>
-            <a:endParaRPr/>
+            <a:endParaRPr dirty="0"/>
           </a:p>
           <a:p>
             <a:pPr marL="0" lvl="0" indent="0">
@@ -10260,95 +10288,10 @@
               <a:buNone/>
             </a:pPr>
             <a:r>
-              <a:rPr lang="ko"/>
+              <a:rPr lang="ko" dirty="0"/>
               <a:t>그러므로 우리는 역슬래시를 이용하여 풀 수 있다.</a:t>
             </a:r>
-            <a:endParaRPr/>
-          </a:p>
-          <a:p>
-            <a:pPr marL="0" lvl="0" indent="0">
-              <a:spcBef>
-                <a:spcPts val="1600"/>
-              </a:spcBef>
-              <a:spcAft>
-                <a:spcPts val="0"/>
-              </a:spcAft>
-              <a:buNone/>
-            </a:pPr>
-            <a:endParaRPr sz="1200">
-              <a:solidFill>
-                <a:srgbClr val="007700"/>
-              </a:solidFill>
-              <a:latin typeface="Verdana"/>
-              <a:ea typeface="Verdana"/>
-              <a:cs typeface="Verdana"/>
-              <a:sym typeface="Verdana"/>
-            </a:endParaRPr>
-          </a:p>
-          <a:p>
-            <a:pPr marL="0" lvl="0" indent="0">
-              <a:spcBef>
-                <a:spcPts val="1600"/>
-              </a:spcBef>
-              <a:spcAft>
-                <a:spcPts val="0"/>
-              </a:spcAft>
-              <a:buClr>
-                <a:schemeClr val="dk1"/>
-              </a:buClr>
-              <a:buSzPts val="1100"/>
-              <a:buFont typeface="Arial"/>
-              <a:buNone/>
-            </a:pPr>
-            <a:endParaRPr sz="1200">
-              <a:solidFill>
-                <a:srgbClr val="007700"/>
-              </a:solidFill>
-              <a:latin typeface="Verdana"/>
-              <a:ea typeface="Verdana"/>
-              <a:cs typeface="Verdana"/>
-              <a:sym typeface="Verdana"/>
-            </a:endParaRPr>
-          </a:p>
-          <a:p>
-            <a:pPr marL="0" lvl="0" indent="0">
-              <a:spcBef>
-                <a:spcPts val="1600"/>
-              </a:spcBef>
-              <a:spcAft>
-                <a:spcPts val="0"/>
-              </a:spcAft>
-              <a:buNone/>
-            </a:pPr>
-            <a:endParaRPr sz="1200">
-              <a:solidFill>
-                <a:srgbClr val="007700"/>
-              </a:solidFill>
-              <a:latin typeface="Verdana"/>
-              <a:ea typeface="Verdana"/>
-              <a:cs typeface="Verdana"/>
-              <a:sym typeface="Verdana"/>
-            </a:endParaRPr>
-          </a:p>
-          <a:p>
-            <a:pPr marL="0" lvl="0" indent="0">
-              <a:spcBef>
-                <a:spcPts val="1600"/>
-              </a:spcBef>
-              <a:spcAft>
-                <a:spcPts val="1600"/>
-              </a:spcAft>
-              <a:buNone/>
-            </a:pPr>
-            <a:endParaRPr sz="1200">
-              <a:solidFill>
-                <a:srgbClr val="007700"/>
-              </a:solidFill>
-              <a:latin typeface="Verdana"/>
-              <a:ea typeface="Verdana"/>
-              <a:cs typeface="Verdana"/>
-              <a:sym typeface="Verdana"/>
-            </a:endParaRPr>
+            <a:endParaRPr dirty="0"/>
           </a:p>
         </p:txBody>
       </p:sp>
@@ -10455,7 +10398,7 @@
               <a:buNone/>
             </a:pPr>
             <a:r>
-              <a:rPr lang="ko" sz="1200">
+              <a:rPr lang="ko" sz="1200" dirty="0">
                 <a:solidFill>
                   <a:srgbClr val="0000BB"/>
                 </a:solidFill>
@@ -10467,7 +10410,7 @@
               <a:t>$query  </a:t>
             </a:r>
             <a:r>
-              <a:rPr lang="ko" sz="1200">
+              <a:rPr lang="ko" sz="1200" dirty="0">
                 <a:solidFill>
                   <a:srgbClr val="007700"/>
                 </a:solidFill>
@@ -10479,7 +10422,7 @@
               <a:t>= </a:t>
             </a:r>
             <a:r>
-              <a:rPr lang="ko" sz="1200">
+              <a:rPr lang="ko" sz="1200" dirty="0">
                 <a:solidFill>
                   <a:srgbClr val="DD0000"/>
                 </a:solidFill>
@@ -10491,7 +10434,7 @@
               <a:t>"select username from users where "</a:t>
             </a:r>
             <a:r>
-              <a:rPr lang="ko" sz="1200">
+              <a:rPr lang="ko" sz="1200" dirty="0">
                 <a:solidFill>
                   <a:srgbClr val="007700"/>
                 </a:solidFill>
@@ -10502,7 +10445,7 @@
               </a:rPr>
               <a:t>;  //변수에 쿼리 문자열을 저장하고</a:t>
             </a:r>
-            <a:endParaRPr sz="1200">
+            <a:endParaRPr sz="1200" dirty="0">
               <a:solidFill>
                 <a:srgbClr val="007700"/>
               </a:solidFill>
@@ -10523,7 +10466,7 @@
               <a:buNone/>
             </a:pPr>
             <a:r>
-              <a:rPr lang="ko" sz="1200">
+              <a:rPr lang="ko" sz="1200" dirty="0">
                 <a:solidFill>
                   <a:srgbClr val="0000BB"/>
                 </a:solidFill>
@@ -10535,7 +10478,7 @@
               <a:t>$query </a:t>
             </a:r>
             <a:r>
-              <a:rPr lang="ko" sz="1200">
+              <a:rPr lang="ko" sz="1200" dirty="0">
                 <a:solidFill>
                   <a:srgbClr val="007700"/>
                 </a:solidFill>
@@ -10547,7 +10490,7 @@
               <a:t>.= </a:t>
             </a:r>
             <a:r>
-              <a:rPr lang="ko" sz="1200">
+              <a:rPr lang="ko" sz="1200" dirty="0">
                 <a:solidFill>
                   <a:srgbClr val="DD0000"/>
                 </a:solidFill>
@@ -10559,7 +10502,7 @@
               <a:t>"username='</a:t>
             </a:r>
             <a:r>
-              <a:rPr lang="ko" sz="1200">
+              <a:rPr lang="ko" sz="1200" dirty="0">
                 <a:solidFill>
                   <a:srgbClr val="007700"/>
                 </a:solidFill>
@@ -10571,7 +10514,7 @@
               <a:t>{</a:t>
             </a:r>
             <a:r>
-              <a:rPr lang="ko" sz="1200">
+              <a:rPr lang="ko" sz="1200" dirty="0">
                 <a:solidFill>
                   <a:srgbClr val="0000BB"/>
                 </a:solidFill>
@@ -10583,7 +10526,7 @@
               <a:t>$username</a:t>
             </a:r>
             <a:r>
-              <a:rPr lang="ko" sz="1200">
+              <a:rPr lang="ko" sz="1200" dirty="0">
                 <a:solidFill>
                   <a:srgbClr val="007700"/>
                 </a:solidFill>
@@ -10595,7 +10538,7 @@
               <a:t>}</a:t>
             </a:r>
             <a:r>
-              <a:rPr lang="ko" sz="1200">
+              <a:rPr lang="ko" sz="1200" dirty="0">
                 <a:solidFill>
                   <a:srgbClr val="DD0000"/>
                 </a:solidFill>
@@ -10607,7 +10550,7 @@
               <a:t>' and password='</a:t>
             </a:r>
             <a:r>
-              <a:rPr lang="ko" sz="1200">
+              <a:rPr lang="ko" sz="1200" dirty="0">
                 <a:solidFill>
                   <a:srgbClr val="007700"/>
                 </a:solidFill>
@@ -10619,7 +10562,7 @@
               <a:t>{</a:t>
             </a:r>
             <a:r>
-              <a:rPr lang="ko" sz="1200">
+              <a:rPr lang="ko" sz="1200" dirty="0">
                 <a:solidFill>
                   <a:srgbClr val="0000BB"/>
                 </a:solidFill>
@@ -10631,7 +10574,7 @@
               <a:t>$password</a:t>
             </a:r>
             <a:r>
-              <a:rPr lang="ko" sz="1200">
+              <a:rPr lang="ko" sz="1200" dirty="0">
                 <a:solidFill>
                   <a:srgbClr val="007700"/>
                 </a:solidFill>
@@ -10643,7 +10586,7 @@
               <a:t>}</a:t>
             </a:r>
             <a:r>
-              <a:rPr lang="ko" sz="1200">
+              <a:rPr lang="ko" sz="1200" dirty="0">
                 <a:solidFill>
                   <a:srgbClr val="DD0000"/>
                 </a:solidFill>
@@ -10655,7 +10598,7 @@
               <a:t>';"</a:t>
             </a:r>
             <a:r>
-              <a:rPr lang="ko" sz="1200">
+              <a:rPr lang="ko" sz="1200" dirty="0">
                 <a:solidFill>
                   <a:srgbClr val="007700"/>
                 </a:solidFill>
@@ -10666,7 +10609,7 @@
               </a:rPr>
               <a:t>;  // 받아온 변수와 함께 다시 이어 붙인다.</a:t>
             </a:r>
-            <a:endParaRPr sz="1200">
+            <a:endParaRPr sz="1200" dirty="0">
               <a:solidFill>
                 <a:srgbClr val="007700"/>
               </a:solidFill>
@@ -10687,10 +10630,10 @@
               <a:buNone/>
             </a:pPr>
             <a:r>
-              <a:rPr lang="ko"/>
+              <a:rPr lang="ko" dirty="0"/>
               <a:t>서 $username이란 변수의 마지막에 역슬래시가 들어가게 된다면</a:t>
             </a:r>
-            <a:endParaRPr/>
+            <a:endParaRPr dirty="0"/>
           </a:p>
           <a:p>
             <a:pPr marL="0" lvl="0" indent="0">
@@ -10703,7 +10646,7 @@
               <a:buNone/>
             </a:pPr>
             <a:r>
-              <a:rPr lang="ko" sz="1200">
+              <a:rPr lang="ko" sz="1200" dirty="0">
                 <a:solidFill>
                   <a:srgbClr val="DD0000"/>
                 </a:solidFill>
@@ -10715,7 +10658,7 @@
               <a:t>"username='</a:t>
             </a:r>
             <a:r>
-              <a:rPr lang="ko" sz="1200">
+              <a:rPr lang="ko" sz="1200" dirty="0">
                 <a:solidFill>
                   <a:srgbClr val="000000"/>
                 </a:solidFill>
@@ -10727,7 +10670,7 @@
               <a:t>asdf\' and password=</a:t>
             </a:r>
             <a:r>
-              <a:rPr lang="ko" sz="1200">
+              <a:rPr lang="ko" sz="1200" dirty="0">
                 <a:solidFill>
                   <a:srgbClr val="DD0000"/>
                 </a:solidFill>
@@ -10739,7 +10682,7 @@
               <a:t>'</a:t>
             </a:r>
             <a:r>
-              <a:rPr lang="ko" sz="1200">
+              <a:rPr lang="ko" sz="1200" dirty="0">
                 <a:solidFill>
                   <a:srgbClr val="007700"/>
                 </a:solidFill>
@@ -10751,7 +10694,7 @@
               <a:t>{</a:t>
             </a:r>
             <a:r>
-              <a:rPr lang="ko" sz="1200">
+              <a:rPr lang="ko" sz="1200" dirty="0">
                 <a:solidFill>
                   <a:srgbClr val="0000BB"/>
                 </a:solidFill>
@@ -10763,7 +10706,7 @@
               <a:t>$password</a:t>
             </a:r>
             <a:r>
-              <a:rPr lang="ko" sz="1200">
+              <a:rPr lang="ko" sz="1200" dirty="0">
                 <a:solidFill>
                   <a:srgbClr val="007700"/>
                 </a:solidFill>
@@ -10775,7 +10718,7 @@
               <a:t>}</a:t>
             </a:r>
             <a:r>
-              <a:rPr lang="ko" sz="1200">
+              <a:rPr lang="ko" sz="1200" dirty="0">
                 <a:solidFill>
                   <a:srgbClr val="DD0000"/>
                 </a:solidFill>
@@ -10786,7 +10729,7 @@
               </a:rPr>
               <a:t>';"</a:t>
             </a:r>
-            <a:endParaRPr sz="1200">
+            <a:endParaRPr sz="1200" dirty="0">
               <a:solidFill>
                 <a:srgbClr val="DD0000"/>
               </a:solidFill>
@@ -10807,10 +10750,10 @@
               <a:buNone/>
             </a:pPr>
             <a:r>
-              <a:rPr lang="ko"/>
+              <a:rPr lang="ko" dirty="0"/>
               <a:t>$password 변수의 앞까지 전부 문자열이 되어버린다.</a:t>
             </a:r>
-            <a:endParaRPr/>
+            <a:endParaRPr dirty="0"/>
           </a:p>
           <a:p>
             <a:pPr marL="0" lvl="0" indent="0">
@@ -10823,10 +10766,10 @@
               <a:buNone/>
             </a:pPr>
             <a:r>
-              <a:rPr lang="ko"/>
+              <a:rPr lang="ko" dirty="0"/>
               <a:t>$password 변수부터는 다른 쿼리문을 집어넣는게 가능하다!</a:t>
             </a:r>
-            <a:endParaRPr/>
+            <a:endParaRPr dirty="0"/>
           </a:p>
           <a:p>
             <a:pPr marL="0" lvl="0" indent="0">
@@ -10843,7 +10786,7 @@
               <a:buFont typeface="Arial"/>
               <a:buNone/>
             </a:pPr>
-            <a:endParaRPr sz="1200">
+            <a:endParaRPr sz="1200" dirty="0">
               <a:solidFill>
                 <a:srgbClr val="007700"/>
               </a:solidFill>
@@ -10953,10 +10896,10 @@
               <a:buNone/>
             </a:pPr>
             <a:r>
-              <a:rPr lang="ko"/>
+              <a:rPr lang="ko" dirty="0"/>
               <a:t>SQL 구문 중에서 union구문을 쓰게 되면 두가지 쿼리를 동시에 사용하는 것이 가능</a:t>
             </a:r>
-            <a:endParaRPr/>
+            <a:endParaRPr dirty="0"/>
           </a:p>
           <a:p>
             <a:pPr marL="0" lvl="0" indent="0">
@@ -10969,10 +10912,10 @@
               <a:buNone/>
             </a:pPr>
             <a:r>
-              <a:rPr lang="ko"/>
+              <a:rPr lang="ko" dirty="0"/>
               <a:t>$password 에 </a:t>
             </a:r>
-            <a:endParaRPr/>
+            <a:endParaRPr dirty="0"/>
           </a:p>
           <a:p>
             <a:pPr marL="0" lvl="0" indent="0">
@@ -10985,10 +10928,10 @@
               <a:buNone/>
             </a:pPr>
             <a:r>
-              <a:rPr lang="ko"/>
+              <a:rPr lang="ko" dirty="0"/>
               <a:t> union select id username=”admin”;# </a:t>
             </a:r>
-            <a:endParaRPr/>
+            <a:endParaRPr dirty="0"/>
           </a:p>
           <a:p>
             <a:pPr marL="0" lvl="0" indent="0">
@@ -11001,10 +10944,10 @@
               <a:buNone/>
             </a:pPr>
             <a:r>
-              <a:rPr lang="ko"/>
+              <a:rPr lang="ko" dirty="0"/>
               <a:t>또는</a:t>
             </a:r>
-            <a:endParaRPr/>
+            <a:endParaRPr dirty="0"/>
           </a:p>
           <a:p>
             <a:pPr marL="0" lvl="0" indent="0">
@@ -11017,10 +10960,10 @@
               <a:buNone/>
             </a:pPr>
             <a:r>
-              <a:rPr lang="ko"/>
+              <a:rPr lang="ko" dirty="0"/>
               <a:t> or username="admin";#</a:t>
             </a:r>
-            <a:endParaRPr/>
+            <a:endParaRPr dirty="0"/>
           </a:p>
           <a:p>
             <a:pPr marL="0" lvl="0" indent="0">
@@ -11033,10 +10976,10 @@
               <a:buNone/>
             </a:pPr>
             <a:r>
-              <a:rPr lang="ko"/>
+              <a:rPr lang="ko" dirty="0"/>
               <a:t>을 보내면!</a:t>
             </a:r>
-            <a:endParaRPr/>
+            <a:endParaRPr dirty="0"/>
           </a:p>
           <a:p>
             <a:pPr marL="0" lvl="0" indent="0">
@@ -11048,7 +10991,7 @@
               </a:spcAft>
               <a:buNone/>
             </a:pPr>
-            <a:endParaRPr/>
+            <a:endParaRPr dirty="0"/>
           </a:p>
         </p:txBody>
       </p:sp>
